--- a/src/assets/images/project-assets/ball/6.115 - Final Project Diagrams.pptx
+++ b/src/assets/images/project-assets/ball/6.115 - Final Project Diagrams.pptx
@@ -208,7 +208,7 @@
           <a:p>
             <a:fld id="{17C2C1F6-425A-4FA7-8A26-F3A75596CE10}" type="datetimeFigureOut">
               <a:rPr lang="en-US" smtClean="0"/>
-              <a:t>7/31/2023</a:t>
+              <a:t>6/29/2024</a:t>
             </a:fld>
             <a:endParaRPr lang="en-US"/>
           </a:p>
@@ -622,7 +622,7 @@
           <a:p>
             <a:fld id="{E992D840-5875-470A-86C5-6A5BE708DF95}" type="datetimeFigureOut">
               <a:rPr lang="en-US" smtClean="0"/>
-              <a:t>7/31/2023</a:t>
+              <a:t>6/29/2024</a:t>
             </a:fld>
             <a:endParaRPr lang="en-US"/>
           </a:p>
@@ -820,7 +820,7 @@
           <a:p>
             <a:fld id="{E992D840-5875-470A-86C5-6A5BE708DF95}" type="datetimeFigureOut">
               <a:rPr lang="en-US" smtClean="0"/>
-              <a:t>7/31/2023</a:t>
+              <a:t>6/29/2024</a:t>
             </a:fld>
             <a:endParaRPr lang="en-US"/>
           </a:p>
@@ -1028,7 +1028,7 @@
           <a:p>
             <a:fld id="{E992D840-5875-470A-86C5-6A5BE708DF95}" type="datetimeFigureOut">
               <a:rPr lang="en-US" smtClean="0"/>
-              <a:t>7/31/2023</a:t>
+              <a:t>6/29/2024</a:t>
             </a:fld>
             <a:endParaRPr lang="en-US"/>
           </a:p>
@@ -1226,7 +1226,7 @@
           <a:p>
             <a:fld id="{E992D840-5875-470A-86C5-6A5BE708DF95}" type="datetimeFigureOut">
               <a:rPr lang="en-US" smtClean="0"/>
-              <a:t>7/31/2023</a:t>
+              <a:t>6/29/2024</a:t>
             </a:fld>
             <a:endParaRPr lang="en-US"/>
           </a:p>
@@ -1501,7 +1501,7 @@
           <a:p>
             <a:fld id="{E992D840-5875-470A-86C5-6A5BE708DF95}" type="datetimeFigureOut">
               <a:rPr lang="en-US" smtClean="0"/>
-              <a:t>7/31/2023</a:t>
+              <a:t>6/29/2024</a:t>
             </a:fld>
             <a:endParaRPr lang="en-US"/>
           </a:p>
@@ -1766,7 +1766,7 @@
           <a:p>
             <a:fld id="{E992D840-5875-470A-86C5-6A5BE708DF95}" type="datetimeFigureOut">
               <a:rPr lang="en-US" smtClean="0"/>
-              <a:t>7/31/2023</a:t>
+              <a:t>6/29/2024</a:t>
             </a:fld>
             <a:endParaRPr lang="en-US"/>
           </a:p>
@@ -2178,7 +2178,7 @@
           <a:p>
             <a:fld id="{E992D840-5875-470A-86C5-6A5BE708DF95}" type="datetimeFigureOut">
               <a:rPr lang="en-US" smtClean="0"/>
-              <a:t>7/31/2023</a:t>
+              <a:t>6/29/2024</a:t>
             </a:fld>
             <a:endParaRPr lang="en-US"/>
           </a:p>
@@ -2319,7 +2319,7 @@
           <a:p>
             <a:fld id="{E992D840-5875-470A-86C5-6A5BE708DF95}" type="datetimeFigureOut">
               <a:rPr lang="en-US" smtClean="0"/>
-              <a:t>7/31/2023</a:t>
+              <a:t>6/29/2024</a:t>
             </a:fld>
             <a:endParaRPr lang="en-US"/>
           </a:p>
@@ -2432,7 +2432,7 @@
           <a:p>
             <a:fld id="{E992D840-5875-470A-86C5-6A5BE708DF95}" type="datetimeFigureOut">
               <a:rPr lang="en-US" smtClean="0"/>
-              <a:t>7/31/2023</a:t>
+              <a:t>6/29/2024</a:t>
             </a:fld>
             <a:endParaRPr lang="en-US"/>
           </a:p>
@@ -2743,7 +2743,7 @@
           <a:p>
             <a:fld id="{E992D840-5875-470A-86C5-6A5BE708DF95}" type="datetimeFigureOut">
               <a:rPr lang="en-US" smtClean="0"/>
-              <a:t>7/31/2023</a:t>
+              <a:t>6/29/2024</a:t>
             </a:fld>
             <a:endParaRPr lang="en-US"/>
           </a:p>
@@ -3031,7 +3031,7 @@
           <a:p>
             <a:fld id="{E992D840-5875-470A-86C5-6A5BE708DF95}" type="datetimeFigureOut">
               <a:rPr lang="en-US" smtClean="0"/>
-              <a:t>7/31/2023</a:t>
+              <a:t>6/29/2024</a:t>
             </a:fld>
             <a:endParaRPr lang="en-US"/>
           </a:p>
@@ -3272,7 +3272,7 @@
           <a:p>
             <a:fld id="{E992D840-5875-470A-86C5-6A5BE708DF95}" type="datetimeFigureOut">
               <a:rPr lang="en-US" smtClean="0"/>
-              <a:t>7/31/2023</a:t>
+              <a:t>6/29/2024</a:t>
             </a:fld>
             <a:endParaRPr lang="en-US"/>
           </a:p>
@@ -9137,7 +9137,7 @@
           <a:prstGeom prst="straightConnector1">
             <a:avLst/>
           </a:prstGeom>
-          <a:ln w="57150">
+          <a:ln w="76200">
             <a:solidFill>
               <a:srgbClr val="C00000"/>
             </a:solidFill>
@@ -9181,7 +9181,7 @@
           <a:prstGeom prst="straightConnector1">
             <a:avLst/>
           </a:prstGeom>
-          <a:ln w="57150">
+          <a:ln w="76200">
             <a:solidFill>
               <a:schemeClr val="accent6">
                 <a:lumMod val="75000"/>
@@ -9227,7 +9227,7 @@
           <a:prstGeom prst="straightConnector1">
             <a:avLst/>
           </a:prstGeom>
-          <a:ln w="57150">
+          <a:ln w="76200">
             <a:solidFill>
               <a:schemeClr val="accent1">
                 <a:lumMod val="75000"/>
@@ -9461,8 +9461,8 @@
           </p:sp>
         </mc:Fallback>
       </mc:AlternateContent>
-      <mc:AlternateContent xmlns:mc="http://schemas.openxmlformats.org/markup-compatibility/2006" xmlns:a14="http://schemas.microsoft.com/office/drawing/2010/main">
-        <mc:Choice Requires="a14">
+      <mc:AlternateContent xmlns:mc="http://schemas.openxmlformats.org/markup-compatibility/2006">
+        <mc:Choice xmlns:a14="http://schemas.microsoft.com/office/drawing/2010/main" Requires="a14">
           <p:sp>
             <p:nvSpPr>
               <p:cNvPr id="22" name="TextBox 21">
@@ -9477,8 +9477,8 @@
             </p:nvSpPr>
             <p:spPr>
               <a:xfrm>
-                <a:off x="3030331" y="1626128"/>
-                <a:ext cx="349822" cy="276999"/>
+                <a:off x="3050748" y="1626128"/>
+                <a:ext cx="423284" cy="276999"/>
               </a:xfrm>
               <a:prstGeom prst="rect">
                 <a:avLst/>
@@ -9523,7 +9523,7 @@
             </p:txBody>
           </p:sp>
         </mc:Choice>
-        <mc:Fallback xmlns="">
+        <mc:Fallback>
           <p:sp>
             <p:nvSpPr>
               <p:cNvPr id="22" name="TextBox 21">
@@ -9540,8 +9540,8 @@
             </p:nvSpPr>
             <p:spPr>
               <a:xfrm>
-                <a:off x="3030331" y="1626128"/>
-                <a:ext cx="349822" cy="276999"/>
+                <a:off x="3050748" y="1626128"/>
+                <a:ext cx="423284" cy="276999"/>
               </a:xfrm>
               <a:prstGeom prst="rect">
                 <a:avLst/>
@@ -9719,6 +9719,371 @@
           </a:prstGeom>
         </p:spPr>
       </p:pic>
+      <p:grpSp>
+        <p:nvGrpSpPr>
+          <p:cNvPr id="29" name="Group 28">
+            <a:extLst>
+              <a:ext uri="{FF2B5EF4-FFF2-40B4-BE49-F238E27FC236}">
+                <a16:creationId xmlns:a16="http://schemas.microsoft.com/office/drawing/2014/main" id="{3D35C5FF-145F-A2B1-6332-2520B558CA9C}"/>
+              </a:ext>
+            </a:extLst>
+          </p:cNvPr>
+          <p:cNvGrpSpPr/>
+          <p:nvPr/>
+        </p:nvGrpSpPr>
+        <p:grpSpPr>
+          <a:xfrm rot="21030856">
+            <a:off x="2043327" y="4736670"/>
+            <a:ext cx="1426494" cy="1414390"/>
+            <a:chOff x="2115214" y="4770455"/>
+            <a:chExt cx="1426494" cy="1414390"/>
+          </a:xfrm>
+        </p:grpSpPr>
+        <p:sp>
+          <p:nvSpPr>
+            <p:cNvPr id="17" name="Arc 16">
+              <a:extLst>
+                <a:ext uri="{FF2B5EF4-FFF2-40B4-BE49-F238E27FC236}">
+                  <a16:creationId xmlns:a16="http://schemas.microsoft.com/office/drawing/2014/main" id="{7C852A0F-36F8-2A65-DDB3-B4C47B7775C9}"/>
+                </a:ext>
+              </a:extLst>
+            </p:cNvPr>
+            <p:cNvSpPr/>
+            <p:nvPr/>
+          </p:nvSpPr>
+          <p:spPr>
+            <a:xfrm rot="11063273">
+              <a:off x="2127318" y="4770455"/>
+              <a:ext cx="1414390" cy="1414390"/>
+            </a:xfrm>
+            <a:prstGeom prst="arc">
+              <a:avLst>
+                <a:gd name="adj1" fmla="val 14102409"/>
+                <a:gd name="adj2" fmla="val 19649604"/>
+              </a:avLst>
+            </a:prstGeom>
+            <a:noFill/>
+            <a:ln w="76200">
+              <a:solidFill>
+                <a:schemeClr val="accent1">
+                  <a:lumMod val="75000"/>
+                </a:schemeClr>
+              </a:solidFill>
+            </a:ln>
+          </p:spPr>
+          <p:style>
+            <a:lnRef idx="1">
+              <a:schemeClr val="accent1"/>
+            </a:lnRef>
+            <a:fillRef idx="0">
+              <a:schemeClr val="accent1"/>
+            </a:fillRef>
+            <a:effectRef idx="0">
+              <a:schemeClr val="accent1"/>
+            </a:effectRef>
+            <a:fontRef idx="minor">
+              <a:schemeClr val="tx1"/>
+            </a:fontRef>
+          </p:style>
+          <p:txBody>
+            <a:bodyPr rtlCol="0" anchor="ctr"/>
+            <a:lstStyle/>
+            <a:p>
+              <a:pPr algn="ctr"/>
+              <a:endParaRPr lang="en-US" dirty="0"/>
+            </a:p>
+          </p:txBody>
+        </p:sp>
+        <p:cxnSp>
+          <p:nvCxnSpPr>
+            <p:cNvPr id="19" name="Straight Arrow Connector 18">
+              <a:extLst>
+                <a:ext uri="{FF2B5EF4-FFF2-40B4-BE49-F238E27FC236}">
+                  <a16:creationId xmlns:a16="http://schemas.microsoft.com/office/drawing/2014/main" id="{D17EF05C-5280-300A-D478-2E2F94B6C7EE}"/>
+                </a:ext>
+              </a:extLst>
+            </p:cNvPr>
+            <p:cNvCxnSpPr>
+              <a:cxnSpLocks/>
+              <a:stCxn id="17" idx="2"/>
+            </p:cNvCxnSpPr>
+            <p:nvPr/>
+          </p:nvCxnSpPr>
+          <p:spPr>
+            <a:xfrm rot="569144" flipH="1" flipV="1">
+              <a:off x="2115214" y="5626124"/>
+              <a:ext cx="110908" cy="176897"/>
+            </a:xfrm>
+            <a:prstGeom prst="straightConnector1">
+              <a:avLst/>
+            </a:prstGeom>
+            <a:ln w="76200">
+              <a:solidFill>
+                <a:schemeClr val="accent1">
+                  <a:lumMod val="75000"/>
+                </a:schemeClr>
+              </a:solidFill>
+              <a:tailEnd type="triangle"/>
+            </a:ln>
+          </p:spPr>
+          <p:style>
+            <a:lnRef idx="1">
+              <a:schemeClr val="accent1"/>
+            </a:lnRef>
+            <a:fillRef idx="0">
+              <a:schemeClr val="accent1"/>
+            </a:fillRef>
+            <a:effectRef idx="0">
+              <a:schemeClr val="accent1"/>
+            </a:effectRef>
+            <a:fontRef idx="minor">
+              <a:schemeClr val="tx1"/>
+            </a:fontRef>
+          </p:style>
+        </p:cxnSp>
+      </p:grpSp>
+      <p:grpSp>
+        <p:nvGrpSpPr>
+          <p:cNvPr id="30" name="Group 29">
+            <a:extLst>
+              <a:ext uri="{FF2B5EF4-FFF2-40B4-BE49-F238E27FC236}">
+                <a16:creationId xmlns:a16="http://schemas.microsoft.com/office/drawing/2014/main" id="{820C155D-F12B-E82C-E7E1-5B64C0126D82}"/>
+              </a:ext>
+            </a:extLst>
+          </p:cNvPr>
+          <p:cNvGrpSpPr/>
+          <p:nvPr/>
+        </p:nvGrpSpPr>
+        <p:grpSpPr>
+          <a:xfrm rot="20949459">
+            <a:off x="2262196" y="3390938"/>
+            <a:ext cx="1414390" cy="1414390"/>
+            <a:chOff x="2127318" y="4770455"/>
+            <a:chExt cx="1414390" cy="1414390"/>
+          </a:xfrm>
+        </p:grpSpPr>
+        <p:sp>
+          <p:nvSpPr>
+            <p:cNvPr id="31" name="Arc 30">
+              <a:extLst>
+                <a:ext uri="{FF2B5EF4-FFF2-40B4-BE49-F238E27FC236}">
+                  <a16:creationId xmlns:a16="http://schemas.microsoft.com/office/drawing/2014/main" id="{66C82CD8-C703-0AB0-C26C-18AB8AD08130}"/>
+                </a:ext>
+              </a:extLst>
+            </p:cNvPr>
+            <p:cNvSpPr/>
+            <p:nvPr/>
+          </p:nvSpPr>
+          <p:spPr>
+            <a:xfrm rot="11063273">
+              <a:off x="2127318" y="4770455"/>
+              <a:ext cx="1414390" cy="1414390"/>
+            </a:xfrm>
+            <a:prstGeom prst="arc">
+              <a:avLst>
+                <a:gd name="adj1" fmla="val 15606116"/>
+                <a:gd name="adj2" fmla="val 19929238"/>
+              </a:avLst>
+            </a:prstGeom>
+            <a:noFill/>
+            <a:ln w="76200">
+              <a:solidFill>
+                <a:srgbClr val="C00000"/>
+              </a:solidFill>
+            </a:ln>
+          </p:spPr>
+          <p:style>
+            <a:lnRef idx="1">
+              <a:schemeClr val="accent1"/>
+            </a:lnRef>
+            <a:fillRef idx="0">
+              <a:schemeClr val="accent1"/>
+            </a:fillRef>
+            <a:effectRef idx="0">
+              <a:schemeClr val="accent1"/>
+            </a:effectRef>
+            <a:fontRef idx="minor">
+              <a:schemeClr val="tx1"/>
+            </a:fontRef>
+          </p:style>
+          <p:txBody>
+            <a:bodyPr rtlCol="0" anchor="ctr"/>
+            <a:lstStyle/>
+            <a:p>
+              <a:pPr algn="ctr"/>
+              <a:endParaRPr lang="en-US" dirty="0"/>
+            </a:p>
+          </p:txBody>
+        </p:sp>
+        <p:cxnSp>
+          <p:nvCxnSpPr>
+            <p:cNvPr id="32" name="Straight Arrow Connector 31">
+              <a:extLst>
+                <a:ext uri="{FF2B5EF4-FFF2-40B4-BE49-F238E27FC236}">
+                  <a16:creationId xmlns:a16="http://schemas.microsoft.com/office/drawing/2014/main" id="{CF157E52-D753-E733-F12C-D2018327CC29}"/>
+                </a:ext>
+              </a:extLst>
+            </p:cNvPr>
+            <p:cNvCxnSpPr>
+              <a:cxnSpLocks/>
+              <a:stCxn id="31" idx="2"/>
+            </p:cNvCxnSpPr>
+            <p:nvPr/>
+          </p:nvCxnSpPr>
+          <p:spPr>
+            <a:xfrm rot="650541" flipH="1" flipV="1">
+              <a:off x="2129574" y="5617504"/>
+              <a:ext cx="69637" cy="136333"/>
+            </a:xfrm>
+            <a:prstGeom prst="straightConnector1">
+              <a:avLst/>
+            </a:prstGeom>
+            <a:ln w="76200">
+              <a:solidFill>
+                <a:srgbClr val="C00000"/>
+              </a:solidFill>
+              <a:tailEnd type="triangle"/>
+            </a:ln>
+          </p:spPr>
+          <p:style>
+            <a:lnRef idx="1">
+              <a:schemeClr val="accent1"/>
+            </a:lnRef>
+            <a:fillRef idx="0">
+              <a:schemeClr val="accent1"/>
+            </a:fillRef>
+            <a:effectRef idx="0">
+              <a:schemeClr val="accent1"/>
+            </a:effectRef>
+            <a:fontRef idx="minor">
+              <a:schemeClr val="tx1"/>
+            </a:fontRef>
+          </p:style>
+        </p:cxnSp>
+      </p:grpSp>
+      <p:grpSp>
+        <p:nvGrpSpPr>
+          <p:cNvPr id="36" name="Group 35">
+            <a:extLst>
+              <a:ext uri="{FF2B5EF4-FFF2-40B4-BE49-F238E27FC236}">
+                <a16:creationId xmlns:a16="http://schemas.microsoft.com/office/drawing/2014/main" id="{E6D084BF-F599-E732-DCAF-41ECBDCB68C2}"/>
+              </a:ext>
+            </a:extLst>
+          </p:cNvPr>
+          <p:cNvGrpSpPr/>
+          <p:nvPr/>
+        </p:nvGrpSpPr>
+        <p:grpSpPr>
+          <a:xfrm rot="2021080">
+            <a:off x="1069928" y="2352808"/>
+            <a:ext cx="1414390" cy="1431470"/>
+            <a:chOff x="2127318" y="4770455"/>
+            <a:chExt cx="1414390" cy="1431470"/>
+          </a:xfrm>
+        </p:grpSpPr>
+        <p:sp>
+          <p:nvSpPr>
+            <p:cNvPr id="37" name="Arc 36">
+              <a:extLst>
+                <a:ext uri="{FF2B5EF4-FFF2-40B4-BE49-F238E27FC236}">
+                  <a16:creationId xmlns:a16="http://schemas.microsoft.com/office/drawing/2014/main" id="{5670A667-BD21-5BCA-6BF1-464EE40100B9}"/>
+                </a:ext>
+              </a:extLst>
+            </p:cNvPr>
+            <p:cNvSpPr/>
+            <p:nvPr/>
+          </p:nvSpPr>
+          <p:spPr>
+            <a:xfrm rot="11063273">
+              <a:off x="2127318" y="4770455"/>
+              <a:ext cx="1414390" cy="1414390"/>
+            </a:xfrm>
+            <a:prstGeom prst="arc">
+              <a:avLst>
+                <a:gd name="adj1" fmla="val 15606116"/>
+                <a:gd name="adj2" fmla="val 5148984"/>
+              </a:avLst>
+            </a:prstGeom>
+            <a:noFill/>
+            <a:ln w="76200">
+              <a:solidFill>
+                <a:schemeClr val="accent6">
+                  <a:lumMod val="75000"/>
+                </a:schemeClr>
+              </a:solidFill>
+            </a:ln>
+          </p:spPr>
+          <p:style>
+            <a:lnRef idx="1">
+              <a:schemeClr val="accent1"/>
+            </a:lnRef>
+            <a:fillRef idx="0">
+              <a:schemeClr val="accent1"/>
+            </a:fillRef>
+            <a:effectRef idx="0">
+              <a:schemeClr val="accent1"/>
+            </a:effectRef>
+            <a:fontRef idx="minor">
+              <a:schemeClr val="tx1"/>
+            </a:fontRef>
+          </p:style>
+          <p:txBody>
+            <a:bodyPr rtlCol="0" anchor="ctr"/>
+            <a:lstStyle/>
+            <a:p>
+              <a:pPr algn="ctr"/>
+              <a:endParaRPr lang="en-US" dirty="0"/>
+            </a:p>
+          </p:txBody>
+        </p:sp>
+        <p:cxnSp>
+          <p:nvCxnSpPr>
+            <p:cNvPr id="38" name="Straight Arrow Connector 37">
+              <a:extLst>
+                <a:ext uri="{FF2B5EF4-FFF2-40B4-BE49-F238E27FC236}">
+                  <a16:creationId xmlns:a16="http://schemas.microsoft.com/office/drawing/2014/main" id="{64BE8DF1-E609-620E-B42A-188C09C6CDE5}"/>
+                </a:ext>
+              </a:extLst>
+            </p:cNvPr>
+            <p:cNvCxnSpPr>
+              <a:cxnSpLocks/>
+              <a:stCxn id="37" idx="0"/>
+            </p:cNvCxnSpPr>
+            <p:nvPr/>
+          </p:nvCxnSpPr>
+          <p:spPr>
+            <a:xfrm rot="650541" flipV="1">
+              <a:off x="2906554" y="6138009"/>
+              <a:ext cx="210300" cy="63916"/>
+            </a:xfrm>
+            <a:prstGeom prst="straightConnector1">
+              <a:avLst/>
+            </a:prstGeom>
+            <a:ln w="76200">
+              <a:solidFill>
+                <a:schemeClr val="accent6">
+                  <a:lumMod val="75000"/>
+                </a:schemeClr>
+              </a:solidFill>
+              <a:tailEnd type="triangle"/>
+            </a:ln>
+          </p:spPr>
+          <p:style>
+            <a:lnRef idx="1">
+              <a:schemeClr val="accent1"/>
+            </a:lnRef>
+            <a:fillRef idx="0">
+              <a:schemeClr val="accent1"/>
+            </a:fillRef>
+            <a:effectRef idx="0">
+              <a:schemeClr val="accent1"/>
+            </a:effectRef>
+            <a:fontRef idx="minor">
+              <a:schemeClr val="tx1"/>
+            </a:fontRef>
+          </p:style>
+        </p:cxnSp>
+      </p:grpSp>
     </p:spTree>
     <p:extLst>
       <p:ext uri="{BB962C8B-B14F-4D97-AF65-F5344CB8AC3E}">
